--- a/MKIImpedancePaper/beamScreenCrossSectionLabelled.pptx
+++ b/MKIImpedancePaper/beamScreenCrossSectionLabelled.pptx
@@ -7,7 +7,7 @@
   <p:sldIdLst>
     <p:sldId id="256" r:id="rId2"/>
   </p:sldIdLst>
-  <p:sldSz cx="7921625" cy="5400675"/>
+  <p:sldSz cx="7921625" cy="3600450"/>
   <p:notesSz cx="6858000" cy="9144000"/>
   <p:defaultTextStyle>
     <a:defPPr>
@@ -136,8 +136,8 @@
         </p:nvSpPr>
         <p:spPr>
           <a:xfrm>
-            <a:off x="594122" y="1677710"/>
-            <a:ext cx="6733381" cy="1157645"/>
+            <a:off x="594123" y="1118474"/>
+            <a:ext cx="6733381" cy="771763"/>
           </a:xfrm>
         </p:spPr>
         <p:txBody>
@@ -164,8 +164,8 @@
         </p:nvSpPr>
         <p:spPr>
           <a:xfrm>
-            <a:off x="1188244" y="3060382"/>
-            <a:ext cx="5545138" cy="1380173"/>
+            <a:off x="1188244" y="2040255"/>
+            <a:ext cx="5545138" cy="920115"/>
           </a:xfrm>
         </p:spPr>
         <p:txBody>
@@ -288,7 +288,7 @@
           <a:p>
             <a:fld id="{BA17D17D-D25A-4999-BFB9-F0222E9F1C6C}" type="datetimeFigureOut">
               <a:rPr lang="en-GB" smtClean="0"/>
-              <a:t>09/12/2013</a:t>
+              <a:t>28/05/2014</a:t>
             </a:fld>
             <a:endParaRPr lang="en-GB"/>
           </a:p>
@@ -458,7 +458,7 @@
           <a:p>
             <a:fld id="{BA17D17D-D25A-4999-BFB9-F0222E9F1C6C}" type="datetimeFigureOut">
               <a:rPr lang="en-GB" smtClean="0"/>
-              <a:t>09/12/2013</a:t>
+              <a:t>28/05/2014</a:t>
             </a:fld>
             <a:endParaRPr lang="en-GB"/>
           </a:p>
@@ -548,8 +548,8 @@
         </p:nvSpPr>
         <p:spPr>
           <a:xfrm>
-            <a:off x="5743178" y="216278"/>
-            <a:ext cx="1782366" cy="4608076"/>
+            <a:off x="5743178" y="144185"/>
+            <a:ext cx="1782366" cy="3072051"/>
           </a:xfrm>
         </p:spPr>
         <p:txBody>
@@ -576,8 +576,8 @@
         </p:nvSpPr>
         <p:spPr>
           <a:xfrm>
-            <a:off x="396081" y="216278"/>
-            <a:ext cx="5215070" cy="4608076"/>
+            <a:off x="396081" y="144185"/>
+            <a:ext cx="5215070" cy="3072051"/>
           </a:xfrm>
         </p:spPr>
         <p:txBody>
@@ -638,7 +638,7 @@
           <a:p>
             <a:fld id="{BA17D17D-D25A-4999-BFB9-F0222E9F1C6C}" type="datetimeFigureOut">
               <a:rPr lang="en-GB" smtClean="0"/>
-              <a:t>09/12/2013</a:t>
+              <a:t>28/05/2014</a:t>
             </a:fld>
             <a:endParaRPr lang="en-GB"/>
           </a:p>
@@ -808,7 +808,7 @@
           <a:p>
             <a:fld id="{BA17D17D-D25A-4999-BFB9-F0222E9F1C6C}" type="datetimeFigureOut">
               <a:rPr lang="en-GB" smtClean="0"/>
-              <a:t>09/12/2013</a:t>
+              <a:t>28/05/2014</a:t>
             </a:fld>
             <a:endParaRPr lang="en-GB"/>
           </a:p>
@@ -898,8 +898,8 @@
         </p:nvSpPr>
         <p:spPr>
           <a:xfrm>
-            <a:off x="625754" y="3470434"/>
-            <a:ext cx="6733381" cy="1072634"/>
+            <a:off x="625755" y="2313623"/>
+            <a:ext cx="6733381" cy="715089"/>
           </a:xfrm>
         </p:spPr>
         <p:txBody>
@@ -930,8 +930,8 @@
         </p:nvSpPr>
         <p:spPr>
           <a:xfrm>
-            <a:off x="625754" y="2289037"/>
-            <a:ext cx="6733381" cy="1181397"/>
+            <a:off x="625755" y="1526025"/>
+            <a:ext cx="6733381" cy="787598"/>
           </a:xfrm>
         </p:spPr>
         <p:txBody>
@@ -1054,7 +1054,7 @@
           <a:p>
             <a:fld id="{BA17D17D-D25A-4999-BFB9-F0222E9F1C6C}" type="datetimeFigureOut">
               <a:rPr lang="en-GB" smtClean="0"/>
-              <a:t>09/12/2013</a:t>
+              <a:t>28/05/2014</a:t>
             </a:fld>
             <a:endParaRPr lang="en-GB"/>
           </a:p>
@@ -1167,8 +1167,8 @@
         </p:nvSpPr>
         <p:spPr>
           <a:xfrm>
-            <a:off x="396081" y="1260158"/>
-            <a:ext cx="3498718" cy="3564196"/>
+            <a:off x="396081" y="840105"/>
+            <a:ext cx="3498718" cy="2376131"/>
           </a:xfrm>
         </p:spPr>
         <p:txBody>
@@ -1252,8 +1252,8 @@
         </p:nvSpPr>
         <p:spPr>
           <a:xfrm>
-            <a:off x="4026826" y="1260158"/>
-            <a:ext cx="3498718" cy="3564196"/>
+            <a:off x="4026826" y="840105"/>
+            <a:ext cx="3498718" cy="2376131"/>
           </a:xfrm>
         </p:spPr>
         <p:txBody>
@@ -1342,7 +1342,7 @@
           <a:p>
             <a:fld id="{BA17D17D-D25A-4999-BFB9-F0222E9F1C6C}" type="datetimeFigureOut">
               <a:rPr lang="en-GB" smtClean="0"/>
-              <a:t>09/12/2013</a:t>
+              <a:t>28/05/2014</a:t>
             </a:fld>
             <a:endParaRPr lang="en-GB"/>
           </a:p>
@@ -1459,8 +1459,8 @@
         </p:nvSpPr>
         <p:spPr>
           <a:xfrm>
-            <a:off x="396081" y="1208901"/>
-            <a:ext cx="3500093" cy="503813"/>
+            <a:off x="396082" y="805935"/>
+            <a:ext cx="3500093" cy="335875"/>
           </a:xfrm>
         </p:spPr>
         <p:txBody>
@@ -1524,8 +1524,8 @@
         </p:nvSpPr>
         <p:spPr>
           <a:xfrm>
-            <a:off x="396081" y="1712714"/>
-            <a:ext cx="3500093" cy="3111639"/>
+            <a:off x="396082" y="1141810"/>
+            <a:ext cx="3500093" cy="2074426"/>
           </a:xfrm>
         </p:spPr>
         <p:txBody>
@@ -1609,8 +1609,8 @@
         </p:nvSpPr>
         <p:spPr>
           <a:xfrm>
-            <a:off x="4024076" y="1208901"/>
-            <a:ext cx="3501468" cy="503813"/>
+            <a:off x="4024076" y="805935"/>
+            <a:ext cx="3501468" cy="335875"/>
           </a:xfrm>
         </p:spPr>
         <p:txBody>
@@ -1674,8 +1674,8 @@
         </p:nvSpPr>
         <p:spPr>
           <a:xfrm>
-            <a:off x="4024076" y="1712714"/>
-            <a:ext cx="3501468" cy="3111639"/>
+            <a:off x="4024076" y="1141810"/>
+            <a:ext cx="3501468" cy="2074426"/>
           </a:xfrm>
         </p:spPr>
         <p:txBody>
@@ -1764,7 +1764,7 @@
           <a:p>
             <a:fld id="{BA17D17D-D25A-4999-BFB9-F0222E9F1C6C}" type="datetimeFigureOut">
               <a:rPr lang="en-GB" smtClean="0"/>
-              <a:t>09/12/2013</a:t>
+              <a:t>28/05/2014</a:t>
             </a:fld>
             <a:endParaRPr lang="en-GB"/>
           </a:p>
@@ -1882,7 +1882,7 @@
           <a:p>
             <a:fld id="{BA17D17D-D25A-4999-BFB9-F0222E9F1C6C}" type="datetimeFigureOut">
               <a:rPr lang="en-GB" smtClean="0"/>
-              <a:t>09/12/2013</a:t>
+              <a:t>28/05/2014</a:t>
             </a:fld>
             <a:endParaRPr lang="en-GB"/>
           </a:p>
@@ -1977,7 +1977,7 @@
           <a:p>
             <a:fld id="{BA17D17D-D25A-4999-BFB9-F0222E9F1C6C}" type="datetimeFigureOut">
               <a:rPr lang="en-GB" smtClean="0"/>
-              <a:t>09/12/2013</a:t>
+              <a:t>28/05/2014</a:t>
             </a:fld>
             <a:endParaRPr lang="en-GB"/>
           </a:p>
@@ -2067,8 +2067,8 @@
         </p:nvSpPr>
         <p:spPr>
           <a:xfrm>
-            <a:off x="396082" y="215027"/>
-            <a:ext cx="2606160" cy="915114"/>
+            <a:off x="396082" y="143351"/>
+            <a:ext cx="2606160" cy="610076"/>
           </a:xfrm>
         </p:spPr>
         <p:txBody>
@@ -2099,8 +2099,8 @@
         </p:nvSpPr>
         <p:spPr>
           <a:xfrm>
-            <a:off x="3097136" y="215028"/>
-            <a:ext cx="4428408" cy="4609326"/>
+            <a:off x="3097136" y="143352"/>
+            <a:ext cx="4428408" cy="3072884"/>
           </a:xfrm>
         </p:spPr>
         <p:txBody>
@@ -2184,8 +2184,8 @@
         </p:nvSpPr>
         <p:spPr>
           <a:xfrm>
-            <a:off x="396082" y="1130142"/>
-            <a:ext cx="2606160" cy="3694212"/>
+            <a:off x="396082" y="753428"/>
+            <a:ext cx="2606160" cy="2462808"/>
           </a:xfrm>
         </p:spPr>
         <p:txBody>
@@ -2254,7 +2254,7 @@
           <a:p>
             <a:fld id="{BA17D17D-D25A-4999-BFB9-F0222E9F1C6C}" type="datetimeFigureOut">
               <a:rPr lang="en-GB" smtClean="0"/>
-              <a:t>09/12/2013</a:t>
+              <a:t>28/05/2014</a:t>
             </a:fld>
             <a:endParaRPr lang="en-GB"/>
           </a:p>
@@ -2344,8 +2344,8 @@
         </p:nvSpPr>
         <p:spPr>
           <a:xfrm>
-            <a:off x="1552694" y="3780473"/>
-            <a:ext cx="4752975" cy="446306"/>
+            <a:off x="1552695" y="2520316"/>
+            <a:ext cx="4752975" cy="297537"/>
           </a:xfrm>
         </p:spPr>
         <p:txBody>
@@ -2376,8 +2376,8 @@
         </p:nvSpPr>
         <p:spPr>
           <a:xfrm>
-            <a:off x="1552694" y="482560"/>
-            <a:ext cx="4752975" cy="3240405"/>
+            <a:off x="1552695" y="321707"/>
+            <a:ext cx="4752975" cy="2160270"/>
           </a:xfrm>
         </p:spPr>
         <p:txBody>
@@ -2437,8 +2437,8 @@
         </p:nvSpPr>
         <p:spPr>
           <a:xfrm>
-            <a:off x="1552694" y="4226779"/>
-            <a:ext cx="4752975" cy="633829"/>
+            <a:off x="1552695" y="2817853"/>
+            <a:ext cx="4752975" cy="422553"/>
           </a:xfrm>
         </p:spPr>
         <p:txBody>
@@ -2507,7 +2507,7 @@
           <a:p>
             <a:fld id="{BA17D17D-D25A-4999-BFB9-F0222E9F1C6C}" type="datetimeFigureOut">
               <a:rPr lang="en-GB" smtClean="0"/>
-              <a:t>09/12/2013</a:t>
+              <a:t>28/05/2014</a:t>
             </a:fld>
             <a:endParaRPr lang="en-GB"/>
           </a:p>
@@ -2602,8 +2602,8 @@
         </p:nvSpPr>
         <p:spPr>
           <a:xfrm>
-            <a:off x="396081" y="216277"/>
-            <a:ext cx="7129463" cy="900113"/>
+            <a:off x="396082" y="144185"/>
+            <a:ext cx="7129463" cy="600075"/>
           </a:xfrm>
           <a:prstGeom prst="rect">
             <a:avLst/>
@@ -2635,8 +2635,8 @@
         </p:nvSpPr>
         <p:spPr>
           <a:xfrm>
-            <a:off x="396081" y="1260158"/>
-            <a:ext cx="7129463" cy="3564196"/>
+            <a:off x="396082" y="840105"/>
+            <a:ext cx="7129463" cy="2376131"/>
           </a:xfrm>
           <a:prstGeom prst="rect">
             <a:avLst/>
@@ -2697,8 +2697,8 @@
         </p:nvSpPr>
         <p:spPr>
           <a:xfrm>
-            <a:off x="396081" y="5005626"/>
-            <a:ext cx="1848379" cy="287536"/>
+            <a:off x="396082" y="3337084"/>
+            <a:ext cx="1848379" cy="191691"/>
           </a:xfrm>
           <a:prstGeom prst="rect">
             <a:avLst/>
@@ -2720,7 +2720,7 @@
           <a:p>
             <a:fld id="{BA17D17D-D25A-4999-BFB9-F0222E9F1C6C}" type="datetimeFigureOut">
               <a:rPr lang="en-GB" smtClean="0"/>
-              <a:t>09/12/2013</a:t>
+              <a:t>28/05/2014</a:t>
             </a:fld>
             <a:endParaRPr lang="en-GB"/>
           </a:p>
@@ -2738,8 +2738,8 @@
         </p:nvSpPr>
         <p:spPr>
           <a:xfrm>
-            <a:off x="2706555" y="5005626"/>
-            <a:ext cx="2508515" cy="287536"/>
+            <a:off x="2706556" y="3337084"/>
+            <a:ext cx="2508515" cy="191691"/>
           </a:xfrm>
           <a:prstGeom prst="rect">
             <a:avLst/>
@@ -2775,8 +2775,8 @@
         </p:nvSpPr>
         <p:spPr>
           <a:xfrm>
-            <a:off x="5677165" y="5005626"/>
-            <a:ext cx="1848379" cy="287536"/>
+            <a:off x="5677166" y="3337084"/>
+            <a:ext cx="1848379" cy="191691"/>
           </a:xfrm>
           <a:prstGeom prst="rect">
             <a:avLst/>
@@ -3097,13 +3097,13 @@
       </p:grpSpPr>
       <p:pic>
         <p:nvPicPr>
-          <p:cNvPr id="1026" name="Picture 2" descr="E:\PhD\1st_Year_09-10\Presentations\MKIMiniReview\MKIImpedancePresentations\screenDesignCrossSection.png"/>
+          <p:cNvPr id="8" name="Picture 2" descr="E:\PhD\1st_Year_09-10\Presentations\MKIMiniReview\MKIImpedancePresentations\screenDesignCrossSection.png"/>
           <p:cNvPicPr>
             <a:picLocks noChangeAspect="1" noChangeArrowheads="1"/>
           </p:cNvPicPr>
           <p:nvPr/>
         </p:nvPicPr>
-        <p:blipFill>
+        <p:blipFill rotWithShape="1">
           <a:blip r:embed="rId2">
             <a:extLst>
               <a:ext uri="{28A0092B-C50C-407E-A947-70E740481C1C}">
@@ -3111,15 +3111,13 @@
               </a:ext>
             </a:extLst>
           </a:blip>
-          <a:srcRect/>
-          <a:stretch>
-            <a:fillRect/>
-          </a:stretch>
+          <a:srcRect t="26018"/>
+          <a:stretch/>
         </p:blipFill>
         <p:spPr bwMode="auto">
           <a:xfrm>
-            <a:off x="144388" y="193056"/>
-            <a:ext cx="7741467" cy="3714257"/>
+            <a:off x="114209" y="72033"/>
+            <a:ext cx="7741467" cy="2747878"/>
           </a:xfrm>
           <a:prstGeom prst="rect">
             <a:avLst/>
@@ -3138,13 +3136,13 @@
       </p:pic>
       <p:sp>
         <p:nvSpPr>
-          <p:cNvPr id="15" name="TextBox 14"/>
+          <p:cNvPr id="9" name="TextBox 8"/>
           <p:cNvSpPr txBox="1"/>
           <p:nvPr/>
         </p:nvSpPr>
         <p:spPr>
           <a:xfrm>
-            <a:off x="4378797" y="4896544"/>
+            <a:off x="3984942" y="2819911"/>
             <a:ext cx="2880320" cy="646331"/>
           </a:xfrm>
           <a:prstGeom prst="rect">
@@ -3168,14 +3166,14 @@
       </p:sp>
       <p:cxnSp>
         <p:nvCxnSpPr>
-          <p:cNvPr id="16" name="Straight Arrow Connector 15"/>
+          <p:cNvPr id="10" name="Straight Arrow Connector 9"/>
           <p:cNvCxnSpPr/>
           <p:nvPr/>
         </p:nvCxnSpPr>
         <p:spPr>
           <a:xfrm flipH="1" flipV="1">
-            <a:off x="4378797" y="3060377"/>
-            <a:ext cx="864096" cy="1836167"/>
+            <a:off x="4348618" y="1972976"/>
+            <a:ext cx="260266" cy="757759"/>
           </a:xfrm>
           <a:prstGeom prst="straightConnector1">
             <a:avLst/>
@@ -3204,13 +3202,13 @@
       </p:cxnSp>
       <p:sp>
         <p:nvSpPr>
-          <p:cNvPr id="17" name="TextBox 16"/>
+          <p:cNvPr id="11" name="TextBox 10"/>
           <p:cNvSpPr txBox="1"/>
           <p:nvPr/>
         </p:nvSpPr>
         <p:spPr>
           <a:xfrm>
-            <a:off x="1066429" y="4887143"/>
+            <a:off x="590311" y="2984439"/>
             <a:ext cx="3272720" cy="369332"/>
           </a:xfrm>
           <a:prstGeom prst="rect">
@@ -3234,14 +3232,14 @@
       </p:sp>
       <p:cxnSp>
         <p:nvCxnSpPr>
-          <p:cNvPr id="18" name="Straight Arrow Connector 17"/>
+          <p:cNvPr id="12" name="Straight Arrow Connector 11"/>
           <p:cNvCxnSpPr/>
           <p:nvPr/>
         </p:nvCxnSpPr>
         <p:spPr>
           <a:xfrm flipH="1" flipV="1">
-            <a:off x="2304628" y="3564433"/>
-            <a:ext cx="562001" cy="1322710"/>
+            <a:off x="2274450" y="2477031"/>
+            <a:ext cx="174194" cy="507408"/>
           </a:xfrm>
           <a:prstGeom prst="straightConnector1">
             <a:avLst/>
@@ -3270,14 +3268,14 @@
       </p:cxnSp>
       <p:cxnSp>
         <p:nvCxnSpPr>
-          <p:cNvPr id="19" name="Straight Arrow Connector 18"/>
+          <p:cNvPr id="13" name="Straight Arrow Connector 12"/>
           <p:cNvCxnSpPr/>
           <p:nvPr/>
         </p:nvCxnSpPr>
         <p:spPr>
           <a:xfrm flipV="1">
-            <a:off x="3379069" y="3564433"/>
-            <a:ext cx="1445839" cy="1373475"/>
+            <a:off x="3168724" y="2477032"/>
+            <a:ext cx="1626005" cy="507407"/>
           </a:xfrm>
           <a:prstGeom prst="straightConnector1">
             <a:avLst/>

--- a/MKIImpedancePaper/beamScreenCrossSectionLabelled.pptx
+++ b/MKIImpedancePaper/beamScreenCrossSectionLabelled.pptx
@@ -7,7 +7,7 @@
   <p:sldIdLst>
     <p:sldId id="256" r:id="rId2"/>
   </p:sldIdLst>
-  <p:sldSz cx="7921625" cy="3600450"/>
+  <p:sldSz cx="6480175" cy="3600450"/>
   <p:notesSz cx="6858000" cy="9144000"/>
   <p:defaultTextStyle>
     <a:defPPr>
@@ -136,8 +136,8 @@
         </p:nvSpPr>
         <p:spPr>
           <a:xfrm>
-            <a:off x="594123" y="1118474"/>
-            <a:ext cx="6733381" cy="771763"/>
+            <a:off x="486014" y="1118476"/>
+            <a:ext cx="5508149" cy="771763"/>
           </a:xfrm>
         </p:spPr>
         <p:txBody>
@@ -164,8 +164,8 @@
         </p:nvSpPr>
         <p:spPr>
           <a:xfrm>
-            <a:off x="1188244" y="2040255"/>
-            <a:ext cx="5545138" cy="920115"/>
+            <a:off x="972026" y="2040257"/>
+            <a:ext cx="4536123" cy="920115"/>
           </a:xfrm>
         </p:spPr>
         <p:txBody>
@@ -288,7 +288,7 @@
           <a:p>
             <a:fld id="{BA17D17D-D25A-4999-BFB9-F0222E9F1C6C}" type="datetimeFigureOut">
               <a:rPr lang="en-GB" smtClean="0"/>
-              <a:t>28/05/2014</a:t>
+              <a:t>04/06/2014</a:t>
             </a:fld>
             <a:endParaRPr lang="en-GB"/>
           </a:p>
@@ -458,7 +458,7 @@
           <a:p>
             <a:fld id="{BA17D17D-D25A-4999-BFB9-F0222E9F1C6C}" type="datetimeFigureOut">
               <a:rPr lang="en-GB" smtClean="0"/>
-              <a:t>28/05/2014</a:t>
+              <a:t>04/06/2014</a:t>
             </a:fld>
             <a:endParaRPr lang="en-GB"/>
           </a:p>
@@ -548,8 +548,8 @@
         </p:nvSpPr>
         <p:spPr>
           <a:xfrm>
-            <a:off x="5743178" y="144185"/>
-            <a:ext cx="1782366" cy="3072051"/>
+            <a:off x="4698128" y="144187"/>
+            <a:ext cx="1458039" cy="3072051"/>
           </a:xfrm>
         </p:spPr>
         <p:txBody>
@@ -576,8 +576,8 @@
         </p:nvSpPr>
         <p:spPr>
           <a:xfrm>
-            <a:off x="396081" y="144185"/>
-            <a:ext cx="5215070" cy="3072051"/>
+            <a:off x="324009" y="144187"/>
+            <a:ext cx="4266116" cy="3072051"/>
           </a:xfrm>
         </p:spPr>
         <p:txBody>
@@ -638,7 +638,7 @@
           <a:p>
             <a:fld id="{BA17D17D-D25A-4999-BFB9-F0222E9F1C6C}" type="datetimeFigureOut">
               <a:rPr lang="en-GB" smtClean="0"/>
-              <a:t>28/05/2014</a:t>
+              <a:t>04/06/2014</a:t>
             </a:fld>
             <a:endParaRPr lang="en-GB"/>
           </a:p>
@@ -808,7 +808,7 @@
           <a:p>
             <a:fld id="{BA17D17D-D25A-4999-BFB9-F0222E9F1C6C}" type="datetimeFigureOut">
               <a:rPr lang="en-GB" smtClean="0"/>
-              <a:t>28/05/2014</a:t>
+              <a:t>04/06/2014</a:t>
             </a:fld>
             <a:endParaRPr lang="en-GB"/>
           </a:p>
@@ -898,8 +898,8 @@
         </p:nvSpPr>
         <p:spPr>
           <a:xfrm>
-            <a:off x="625755" y="2313623"/>
-            <a:ext cx="6733381" cy="715089"/>
+            <a:off x="511891" y="2313625"/>
+            <a:ext cx="5508149" cy="715089"/>
           </a:xfrm>
         </p:spPr>
         <p:txBody>
@@ -930,8 +930,8 @@
         </p:nvSpPr>
         <p:spPr>
           <a:xfrm>
-            <a:off x="625755" y="1526025"/>
-            <a:ext cx="6733381" cy="787598"/>
+            <a:off x="511891" y="1526025"/>
+            <a:ext cx="5508149" cy="787598"/>
           </a:xfrm>
         </p:spPr>
         <p:txBody>
@@ -1054,7 +1054,7 @@
           <a:p>
             <a:fld id="{BA17D17D-D25A-4999-BFB9-F0222E9F1C6C}" type="datetimeFigureOut">
               <a:rPr lang="en-GB" smtClean="0"/>
-              <a:t>28/05/2014</a:t>
+              <a:t>04/06/2014</a:t>
             </a:fld>
             <a:endParaRPr lang="en-GB"/>
           </a:p>
@@ -1167,8 +1167,8 @@
         </p:nvSpPr>
         <p:spPr>
           <a:xfrm>
-            <a:off x="396081" y="840105"/>
-            <a:ext cx="3498718" cy="2376131"/>
+            <a:off x="324009" y="840107"/>
+            <a:ext cx="2862078" cy="2376131"/>
           </a:xfrm>
         </p:spPr>
         <p:txBody>
@@ -1252,8 +1252,8 @@
         </p:nvSpPr>
         <p:spPr>
           <a:xfrm>
-            <a:off x="4026826" y="840105"/>
-            <a:ext cx="3498718" cy="2376131"/>
+            <a:off x="3294089" y="840107"/>
+            <a:ext cx="2862078" cy="2376131"/>
           </a:xfrm>
         </p:spPr>
         <p:txBody>
@@ -1342,7 +1342,7 @@
           <a:p>
             <a:fld id="{BA17D17D-D25A-4999-BFB9-F0222E9F1C6C}" type="datetimeFigureOut">
               <a:rPr lang="en-GB" smtClean="0"/>
-              <a:t>28/05/2014</a:t>
+              <a:t>04/06/2014</a:t>
             </a:fld>
             <a:endParaRPr lang="en-GB"/>
           </a:p>
@@ -1459,8 +1459,8 @@
         </p:nvSpPr>
         <p:spPr>
           <a:xfrm>
-            <a:off x="396082" y="805935"/>
-            <a:ext cx="3500093" cy="335875"/>
+            <a:off x="324010" y="805936"/>
+            <a:ext cx="2863202" cy="335875"/>
           </a:xfrm>
         </p:spPr>
         <p:txBody>
@@ -1524,8 +1524,8 @@
         </p:nvSpPr>
         <p:spPr>
           <a:xfrm>
-            <a:off x="396082" y="1141810"/>
-            <a:ext cx="3500093" cy="2074426"/>
+            <a:off x="324010" y="1141810"/>
+            <a:ext cx="2863202" cy="2074426"/>
           </a:xfrm>
         </p:spPr>
         <p:txBody>
@@ -1609,8 +1609,8 @@
         </p:nvSpPr>
         <p:spPr>
           <a:xfrm>
-            <a:off x="4024076" y="805935"/>
-            <a:ext cx="3501468" cy="335875"/>
+            <a:off x="3291838" y="805936"/>
+            <a:ext cx="2864328" cy="335875"/>
           </a:xfrm>
         </p:spPr>
         <p:txBody>
@@ -1674,8 +1674,8 @@
         </p:nvSpPr>
         <p:spPr>
           <a:xfrm>
-            <a:off x="4024076" y="1141810"/>
-            <a:ext cx="3501468" cy="2074426"/>
+            <a:off x="3291838" y="1141810"/>
+            <a:ext cx="2864328" cy="2074426"/>
           </a:xfrm>
         </p:spPr>
         <p:txBody>
@@ -1764,7 +1764,7 @@
           <a:p>
             <a:fld id="{BA17D17D-D25A-4999-BFB9-F0222E9F1C6C}" type="datetimeFigureOut">
               <a:rPr lang="en-GB" smtClean="0"/>
-              <a:t>28/05/2014</a:t>
+              <a:t>04/06/2014</a:t>
             </a:fld>
             <a:endParaRPr lang="en-GB"/>
           </a:p>
@@ -1882,7 +1882,7 @@
           <a:p>
             <a:fld id="{BA17D17D-D25A-4999-BFB9-F0222E9F1C6C}" type="datetimeFigureOut">
               <a:rPr lang="en-GB" smtClean="0"/>
-              <a:t>28/05/2014</a:t>
+              <a:t>04/06/2014</a:t>
             </a:fld>
             <a:endParaRPr lang="en-GB"/>
           </a:p>
@@ -1977,7 +1977,7 @@
           <a:p>
             <a:fld id="{BA17D17D-D25A-4999-BFB9-F0222E9F1C6C}" type="datetimeFigureOut">
               <a:rPr lang="en-GB" smtClean="0"/>
-              <a:t>28/05/2014</a:t>
+              <a:t>04/06/2014</a:t>
             </a:fld>
             <a:endParaRPr lang="en-GB"/>
           </a:p>
@@ -2067,8 +2067,8 @@
         </p:nvSpPr>
         <p:spPr>
           <a:xfrm>
-            <a:off x="396082" y="143351"/>
-            <a:ext cx="2606160" cy="610076"/>
+            <a:off x="324010" y="143351"/>
+            <a:ext cx="2131932" cy="610076"/>
           </a:xfrm>
         </p:spPr>
         <p:txBody>
@@ -2099,8 +2099,8 @@
         </p:nvSpPr>
         <p:spPr>
           <a:xfrm>
-            <a:off x="3097136" y="143352"/>
-            <a:ext cx="4428408" cy="3072884"/>
+            <a:off x="2533569" y="143352"/>
+            <a:ext cx="3622597" cy="3072884"/>
           </a:xfrm>
         </p:spPr>
         <p:txBody>
@@ -2184,8 +2184,8 @@
         </p:nvSpPr>
         <p:spPr>
           <a:xfrm>
-            <a:off x="396082" y="753428"/>
-            <a:ext cx="2606160" cy="2462808"/>
+            <a:off x="324010" y="753428"/>
+            <a:ext cx="2131932" cy="2462808"/>
           </a:xfrm>
         </p:spPr>
         <p:txBody>
@@ -2254,7 +2254,7 @@
           <a:p>
             <a:fld id="{BA17D17D-D25A-4999-BFB9-F0222E9F1C6C}" type="datetimeFigureOut">
               <a:rPr lang="en-GB" smtClean="0"/>
-              <a:t>28/05/2014</a:t>
+              <a:t>04/06/2014</a:t>
             </a:fld>
             <a:endParaRPr lang="en-GB"/>
           </a:p>
@@ -2344,8 +2344,8 @@
         </p:nvSpPr>
         <p:spPr>
           <a:xfrm>
-            <a:off x="1552695" y="2520316"/>
-            <a:ext cx="4752975" cy="297537"/>
+            <a:off x="1270160" y="2520318"/>
+            <a:ext cx="3888105" cy="297537"/>
           </a:xfrm>
         </p:spPr>
         <p:txBody>
@@ -2376,8 +2376,8 @@
         </p:nvSpPr>
         <p:spPr>
           <a:xfrm>
-            <a:off x="1552695" y="321707"/>
-            <a:ext cx="4752975" cy="2160270"/>
+            <a:off x="1270160" y="321707"/>
+            <a:ext cx="3888105" cy="2160270"/>
           </a:xfrm>
         </p:spPr>
         <p:txBody>
@@ -2437,8 +2437,8 @@
         </p:nvSpPr>
         <p:spPr>
           <a:xfrm>
-            <a:off x="1552695" y="2817853"/>
-            <a:ext cx="4752975" cy="422553"/>
+            <a:off x="1270160" y="2817855"/>
+            <a:ext cx="3888105" cy="422553"/>
           </a:xfrm>
         </p:spPr>
         <p:txBody>
@@ -2507,7 +2507,7 @@
           <a:p>
             <a:fld id="{BA17D17D-D25A-4999-BFB9-F0222E9F1C6C}" type="datetimeFigureOut">
               <a:rPr lang="en-GB" smtClean="0"/>
-              <a:t>28/05/2014</a:t>
+              <a:t>04/06/2014</a:t>
             </a:fld>
             <a:endParaRPr lang="en-GB"/>
           </a:p>
@@ -2602,8 +2602,8 @@
         </p:nvSpPr>
         <p:spPr>
           <a:xfrm>
-            <a:off x="396082" y="144185"/>
-            <a:ext cx="7129463" cy="600075"/>
+            <a:off x="324010" y="144187"/>
+            <a:ext cx="5832158" cy="600075"/>
           </a:xfrm>
           <a:prstGeom prst="rect">
             <a:avLst/>
@@ -2635,8 +2635,8 @@
         </p:nvSpPr>
         <p:spPr>
           <a:xfrm>
-            <a:off x="396082" y="840105"/>
-            <a:ext cx="7129463" cy="2376131"/>
+            <a:off x="324010" y="840107"/>
+            <a:ext cx="5832158" cy="2376131"/>
           </a:xfrm>
           <a:prstGeom prst="rect">
             <a:avLst/>
@@ -2697,8 +2697,8 @@
         </p:nvSpPr>
         <p:spPr>
           <a:xfrm>
-            <a:off x="396082" y="3337084"/>
-            <a:ext cx="1848379" cy="191691"/>
+            <a:off x="324010" y="3337086"/>
+            <a:ext cx="1512041" cy="191691"/>
           </a:xfrm>
           <a:prstGeom prst="rect">
             <a:avLst/>
@@ -2720,7 +2720,7 @@
           <a:p>
             <a:fld id="{BA17D17D-D25A-4999-BFB9-F0222E9F1C6C}" type="datetimeFigureOut">
               <a:rPr lang="en-GB" smtClean="0"/>
-              <a:t>28/05/2014</a:t>
+              <a:t>04/06/2014</a:t>
             </a:fld>
             <a:endParaRPr lang="en-GB"/>
           </a:p>
@@ -2738,8 +2738,8 @@
         </p:nvSpPr>
         <p:spPr>
           <a:xfrm>
-            <a:off x="2706556" y="3337084"/>
-            <a:ext cx="2508515" cy="191691"/>
+            <a:off x="2214061" y="3337086"/>
+            <a:ext cx="2052056" cy="191691"/>
           </a:xfrm>
           <a:prstGeom prst="rect">
             <a:avLst/>
@@ -2775,8 +2775,8 @@
         </p:nvSpPr>
         <p:spPr>
           <a:xfrm>
-            <a:off x="5677166" y="3337084"/>
-            <a:ext cx="1848379" cy="191691"/>
+            <a:off x="4644128" y="3337086"/>
+            <a:ext cx="1512041" cy="191691"/>
           </a:xfrm>
           <a:prstGeom prst="rect">
             <a:avLst/>
@@ -3097,7 +3097,7 @@
       </p:grpSpPr>
       <p:pic>
         <p:nvPicPr>
-          <p:cNvPr id="8" name="Picture 2" descr="E:\PhD\1st_Year_09-10\Presentations\MKIMiniReview\MKIImpedancePresentations\screenDesignCrossSection.png"/>
+          <p:cNvPr id="20" name="Picture 2" descr="E:\PhD\1st_Year_09-10\Presentations\MKIMiniReview\MKIImpedancePresentations\screenDesignCrossSection.png"/>
           <p:cNvPicPr>
             <a:picLocks noChangeAspect="1" noChangeArrowheads="1"/>
           </p:cNvPicPr>
@@ -3111,13 +3111,13 @@
               </a:ext>
             </a:extLst>
           </a:blip>
-          <a:srcRect t="26018"/>
+          <a:srcRect l="16010" t="26018"/>
           <a:stretch/>
         </p:blipFill>
         <p:spPr bwMode="auto">
           <a:xfrm>
-            <a:off x="114209" y="72033"/>
-            <a:ext cx="7741467" cy="2747878"/>
+            <a:off x="11466" y="216049"/>
+            <a:ext cx="6502005" cy="2747878"/>
           </a:xfrm>
           <a:prstGeom prst="rect">
             <a:avLst/>
@@ -3136,13 +3136,13 @@
       </p:pic>
       <p:sp>
         <p:nvSpPr>
-          <p:cNvPr id="9" name="TextBox 8"/>
+          <p:cNvPr id="21" name="TextBox 20"/>
           <p:cNvSpPr txBox="1"/>
           <p:nvPr/>
         </p:nvSpPr>
         <p:spPr>
           <a:xfrm>
-            <a:off x="3984942" y="2819911"/>
+            <a:off x="2546599" y="2832258"/>
             <a:ext cx="2880320" cy="646331"/>
           </a:xfrm>
           <a:prstGeom prst="rect">
@@ -3166,13 +3166,13 @@
       </p:sp>
       <p:cxnSp>
         <p:nvCxnSpPr>
-          <p:cNvPr id="10" name="Straight Arrow Connector 9"/>
+          <p:cNvPr id="22" name="Straight Arrow Connector 21"/>
           <p:cNvCxnSpPr/>
           <p:nvPr/>
         </p:nvCxnSpPr>
         <p:spPr>
           <a:xfrm flipH="1" flipV="1">
-            <a:off x="4348618" y="1972976"/>
+            <a:off x="3006413" y="2116992"/>
             <a:ext cx="260266" cy="757759"/>
           </a:xfrm>
           <a:prstGeom prst="straightConnector1">
@@ -3202,14 +3202,14 @@
       </p:cxnSp>
       <p:sp>
         <p:nvSpPr>
-          <p:cNvPr id="11" name="TextBox 10"/>
+          <p:cNvPr id="23" name="TextBox 22"/>
           <p:cNvSpPr txBox="1"/>
           <p:nvPr/>
         </p:nvSpPr>
         <p:spPr>
           <a:xfrm>
-            <a:off x="590311" y="2984439"/>
-            <a:ext cx="3272720" cy="369332"/>
+            <a:off x="254351" y="2878425"/>
+            <a:ext cx="2509360" cy="553998"/>
           </a:xfrm>
           <a:prstGeom prst="rect">
             <a:avLst/>
@@ -3232,14 +3232,14 @@
       </p:sp>
       <p:cxnSp>
         <p:nvCxnSpPr>
-          <p:cNvPr id="12" name="Straight Arrow Connector 11"/>
+          <p:cNvPr id="24" name="Straight Arrow Connector 23"/>
           <p:cNvCxnSpPr/>
           <p:nvPr/>
         </p:nvCxnSpPr>
         <p:spPr>
           <a:xfrm flipH="1" flipV="1">
-            <a:off x="2274450" y="2477031"/>
-            <a:ext cx="174194" cy="507408"/>
+            <a:off x="932245" y="2621047"/>
+            <a:ext cx="333901" cy="253704"/>
           </a:xfrm>
           <a:prstGeom prst="straightConnector1">
             <a:avLst/>
@@ -3268,14 +3268,14 @@
       </p:cxnSp>
       <p:cxnSp>
         <p:nvCxnSpPr>
-          <p:cNvPr id="13" name="Straight Arrow Connector 12"/>
+          <p:cNvPr id="25" name="Straight Arrow Connector 24"/>
           <p:cNvCxnSpPr/>
           <p:nvPr/>
         </p:nvCxnSpPr>
         <p:spPr>
           <a:xfrm flipV="1">
-            <a:off x="3168724" y="2477032"/>
-            <a:ext cx="1626005" cy="507407"/>
+            <a:off x="2042543" y="2621049"/>
+            <a:ext cx="1409981" cy="253702"/>
           </a:xfrm>
           <a:prstGeom prst="straightConnector1">
             <a:avLst/>
